--- a/ppt 16-9/1580.赐我自由.pptx
+++ b/ppt 16-9/1580.赐我自由.pptx
@@ -129,7 +129,7 @@
           <p:cNvPr id="2" name="标题 1">
             <a:extLst>
               <a:ext uri="{FF2B5EF4-FFF2-40B4-BE49-F238E27FC236}">
-                <a16:creationId xmlns:a16="http://schemas.microsoft.com/office/drawing/2014/main" id="{9C5E9F48-DD44-3FB3-CA1E-22D8F6D8829B}"/>
+                <a16:creationId xmlns:a16="http://schemas.microsoft.com/office/drawing/2014/main" id="{1C06F9A1-5ABE-38A5-EA78-FADAB04CC108}"/>
               </a:ext>
             </a:extLst>
           </p:cNvPr>
@@ -166,7 +166,7 @@
           <p:cNvPr id="3" name="副标题 2">
             <a:extLst>
               <a:ext uri="{FF2B5EF4-FFF2-40B4-BE49-F238E27FC236}">
-                <a16:creationId xmlns:a16="http://schemas.microsoft.com/office/drawing/2014/main" id="{5F884E0B-9318-0614-B0DB-ABE7AFE9C6E1}"/>
+                <a16:creationId xmlns:a16="http://schemas.microsoft.com/office/drawing/2014/main" id="{D44522E0-3CFF-6E04-BC87-A4CD101B9416}"/>
               </a:ext>
             </a:extLst>
           </p:cNvPr>
@@ -236,7 +236,7 @@
           <p:cNvPr id="4" name="日期占位符 3">
             <a:extLst>
               <a:ext uri="{FF2B5EF4-FFF2-40B4-BE49-F238E27FC236}">
-                <a16:creationId xmlns:a16="http://schemas.microsoft.com/office/drawing/2014/main" id="{DEBDF1B5-28C1-07EA-9517-A841F0E5EA37}"/>
+                <a16:creationId xmlns:a16="http://schemas.microsoft.com/office/drawing/2014/main" id="{0B9C055B-1CF9-15CB-1D4D-FF8C49E772B7}"/>
               </a:ext>
             </a:extLst>
           </p:cNvPr>
@@ -252,7 +252,7 @@
           <a:bodyPr/>
           <a:lstStyle/>
           <a:p>
-            <a:fld id="{D84ABBF4-CF0C-4B8F-AA63-1F80B389E3CC}" type="datetimeFigureOut">
+            <a:fld id="{C82C9137-FC62-44C1-B32E-3A637FC89066}" type="datetimeFigureOut">
               <a:rPr lang="zh-CN" altLang="en-US" smtClean="0"/>
               <a:t>2024/3/10</a:t>
             </a:fld>
@@ -265,7 +265,7 @@
           <p:cNvPr id="5" name="页脚占位符 4">
             <a:extLst>
               <a:ext uri="{FF2B5EF4-FFF2-40B4-BE49-F238E27FC236}">
-                <a16:creationId xmlns:a16="http://schemas.microsoft.com/office/drawing/2014/main" id="{36491305-2F64-EFB3-7611-97BD5BA69D86}"/>
+                <a16:creationId xmlns:a16="http://schemas.microsoft.com/office/drawing/2014/main" id="{04C1AEE7-9FDF-9C82-1450-D7529821A496}"/>
               </a:ext>
             </a:extLst>
           </p:cNvPr>
@@ -290,7 +290,7 @@
           <p:cNvPr id="6" name="灯片编号占位符 5">
             <a:extLst>
               <a:ext uri="{FF2B5EF4-FFF2-40B4-BE49-F238E27FC236}">
-                <a16:creationId xmlns:a16="http://schemas.microsoft.com/office/drawing/2014/main" id="{D1B044B3-D278-0B35-5BB4-E36239E41F38}"/>
+                <a16:creationId xmlns:a16="http://schemas.microsoft.com/office/drawing/2014/main" id="{74D7D55B-33F9-EEE2-1C3D-0F904E11EBDE}"/>
               </a:ext>
             </a:extLst>
           </p:cNvPr>
@@ -306,7 +306,7 @@
           <a:bodyPr/>
           <a:lstStyle/>
           <a:p>
-            <a:fld id="{AB1BB65B-7D54-4EFA-8EBC-FA6D813CEE52}" type="slidenum">
+            <a:fld id="{FEEE51DE-CE39-44F6-8F51-05491BA6704D}" type="slidenum">
               <a:rPr lang="zh-CN" altLang="en-US" smtClean="0"/>
               <a:t>‹#›</a:t>
             </a:fld>
@@ -317,7 +317,7 @@
     </p:spTree>
     <p:extLst>
       <p:ext uri="{BB962C8B-B14F-4D97-AF65-F5344CB8AC3E}">
-        <p14:creationId xmlns:p14="http://schemas.microsoft.com/office/powerpoint/2010/main" val="57656311"/>
+        <p14:creationId xmlns:p14="http://schemas.microsoft.com/office/powerpoint/2010/main" val="1700338236"/>
       </p:ext>
     </p:extLst>
   </p:cSld>
@@ -349,7 +349,7 @@
           <p:cNvPr id="2" name="标题 1">
             <a:extLst>
               <a:ext uri="{FF2B5EF4-FFF2-40B4-BE49-F238E27FC236}">
-                <a16:creationId xmlns:a16="http://schemas.microsoft.com/office/drawing/2014/main" id="{DE06B2D4-4636-705B-AF0F-C1D61C3F2ABA}"/>
+                <a16:creationId xmlns:a16="http://schemas.microsoft.com/office/drawing/2014/main" id="{D5578773-B32C-8930-B0AE-22E88FDF3C96}"/>
               </a:ext>
             </a:extLst>
           </p:cNvPr>
@@ -377,7 +377,7 @@
           <p:cNvPr id="3" name="竖排文字占位符 2">
             <a:extLst>
               <a:ext uri="{FF2B5EF4-FFF2-40B4-BE49-F238E27FC236}">
-                <a16:creationId xmlns:a16="http://schemas.microsoft.com/office/drawing/2014/main" id="{240547B6-B15B-785B-4170-D75B55D8B7D0}"/>
+                <a16:creationId xmlns:a16="http://schemas.microsoft.com/office/drawing/2014/main" id="{8F28F8CB-7502-A0B6-3F44-08C92551D952}"/>
               </a:ext>
             </a:extLst>
           </p:cNvPr>
@@ -434,7 +434,7 @@
           <p:cNvPr id="4" name="日期占位符 3">
             <a:extLst>
               <a:ext uri="{FF2B5EF4-FFF2-40B4-BE49-F238E27FC236}">
-                <a16:creationId xmlns:a16="http://schemas.microsoft.com/office/drawing/2014/main" id="{6374C4FF-71D0-39ED-0779-5E85D6D9078E}"/>
+                <a16:creationId xmlns:a16="http://schemas.microsoft.com/office/drawing/2014/main" id="{780E2E51-950A-CBBB-9613-8BB0C9469F71}"/>
               </a:ext>
             </a:extLst>
           </p:cNvPr>
@@ -450,7 +450,7 @@
           <a:bodyPr/>
           <a:lstStyle/>
           <a:p>
-            <a:fld id="{D84ABBF4-CF0C-4B8F-AA63-1F80B389E3CC}" type="datetimeFigureOut">
+            <a:fld id="{C82C9137-FC62-44C1-B32E-3A637FC89066}" type="datetimeFigureOut">
               <a:rPr lang="zh-CN" altLang="en-US" smtClean="0"/>
               <a:t>2024/3/10</a:t>
             </a:fld>
@@ -463,7 +463,7 @@
           <p:cNvPr id="5" name="页脚占位符 4">
             <a:extLst>
               <a:ext uri="{FF2B5EF4-FFF2-40B4-BE49-F238E27FC236}">
-                <a16:creationId xmlns:a16="http://schemas.microsoft.com/office/drawing/2014/main" id="{817CB23F-71C4-B66E-838C-C98DDC29E3E1}"/>
+                <a16:creationId xmlns:a16="http://schemas.microsoft.com/office/drawing/2014/main" id="{EA163EAB-0193-0C78-F072-3F3E5BA4E2DC}"/>
               </a:ext>
             </a:extLst>
           </p:cNvPr>
@@ -488,7 +488,7 @@
           <p:cNvPr id="6" name="灯片编号占位符 5">
             <a:extLst>
               <a:ext uri="{FF2B5EF4-FFF2-40B4-BE49-F238E27FC236}">
-                <a16:creationId xmlns:a16="http://schemas.microsoft.com/office/drawing/2014/main" id="{84E0949F-1184-D0AF-930B-C8C21FF04B13}"/>
+                <a16:creationId xmlns:a16="http://schemas.microsoft.com/office/drawing/2014/main" id="{74DC1313-2881-C7B5-ABF7-204634613CF3}"/>
               </a:ext>
             </a:extLst>
           </p:cNvPr>
@@ -504,7 +504,7 @@
           <a:bodyPr/>
           <a:lstStyle/>
           <a:p>
-            <a:fld id="{AB1BB65B-7D54-4EFA-8EBC-FA6D813CEE52}" type="slidenum">
+            <a:fld id="{FEEE51DE-CE39-44F6-8F51-05491BA6704D}" type="slidenum">
               <a:rPr lang="zh-CN" altLang="en-US" smtClean="0"/>
               <a:t>‹#›</a:t>
             </a:fld>
@@ -515,7 +515,7 @@
     </p:spTree>
     <p:extLst>
       <p:ext uri="{BB962C8B-B14F-4D97-AF65-F5344CB8AC3E}">
-        <p14:creationId xmlns:p14="http://schemas.microsoft.com/office/powerpoint/2010/main" val="206112510"/>
+        <p14:creationId xmlns:p14="http://schemas.microsoft.com/office/powerpoint/2010/main" val="1872358732"/>
       </p:ext>
     </p:extLst>
   </p:cSld>
@@ -547,7 +547,7 @@
           <p:cNvPr id="2" name="竖排标题 1">
             <a:extLst>
               <a:ext uri="{FF2B5EF4-FFF2-40B4-BE49-F238E27FC236}">
-                <a16:creationId xmlns:a16="http://schemas.microsoft.com/office/drawing/2014/main" id="{586A1E0D-8CF6-0AAE-1885-A054F2C2AE8C}"/>
+                <a16:creationId xmlns:a16="http://schemas.microsoft.com/office/drawing/2014/main" id="{83BD8123-4310-BDDF-1A08-0DD30C63A49F}"/>
               </a:ext>
             </a:extLst>
           </p:cNvPr>
@@ -580,7 +580,7 @@
           <p:cNvPr id="3" name="竖排文字占位符 2">
             <a:extLst>
               <a:ext uri="{FF2B5EF4-FFF2-40B4-BE49-F238E27FC236}">
-                <a16:creationId xmlns:a16="http://schemas.microsoft.com/office/drawing/2014/main" id="{0A5419B8-8FD3-F0FB-9F41-3569408B766B}"/>
+                <a16:creationId xmlns:a16="http://schemas.microsoft.com/office/drawing/2014/main" id="{CFA8F348-5C8B-1A50-36FC-B13D3F0CEC00}"/>
               </a:ext>
             </a:extLst>
           </p:cNvPr>
@@ -642,7 +642,7 @@
           <p:cNvPr id="4" name="日期占位符 3">
             <a:extLst>
               <a:ext uri="{FF2B5EF4-FFF2-40B4-BE49-F238E27FC236}">
-                <a16:creationId xmlns:a16="http://schemas.microsoft.com/office/drawing/2014/main" id="{3A15914C-06CC-E5D3-D969-344E6678FFC4}"/>
+                <a16:creationId xmlns:a16="http://schemas.microsoft.com/office/drawing/2014/main" id="{2C521C69-5C24-0103-A5C9-25C4269870F8}"/>
               </a:ext>
             </a:extLst>
           </p:cNvPr>
@@ -658,7 +658,7 @@
           <a:bodyPr/>
           <a:lstStyle/>
           <a:p>
-            <a:fld id="{D84ABBF4-CF0C-4B8F-AA63-1F80B389E3CC}" type="datetimeFigureOut">
+            <a:fld id="{C82C9137-FC62-44C1-B32E-3A637FC89066}" type="datetimeFigureOut">
               <a:rPr lang="zh-CN" altLang="en-US" smtClean="0"/>
               <a:t>2024/3/10</a:t>
             </a:fld>
@@ -671,7 +671,7 @@
           <p:cNvPr id="5" name="页脚占位符 4">
             <a:extLst>
               <a:ext uri="{FF2B5EF4-FFF2-40B4-BE49-F238E27FC236}">
-                <a16:creationId xmlns:a16="http://schemas.microsoft.com/office/drawing/2014/main" id="{1A80420F-AE49-E0E0-421C-7BA6779487EF}"/>
+                <a16:creationId xmlns:a16="http://schemas.microsoft.com/office/drawing/2014/main" id="{FC4297DF-A20A-1DFD-30F6-F057BC1F5EFF}"/>
               </a:ext>
             </a:extLst>
           </p:cNvPr>
@@ -696,7 +696,7 @@
           <p:cNvPr id="6" name="灯片编号占位符 5">
             <a:extLst>
               <a:ext uri="{FF2B5EF4-FFF2-40B4-BE49-F238E27FC236}">
-                <a16:creationId xmlns:a16="http://schemas.microsoft.com/office/drawing/2014/main" id="{C01425AB-70F3-478C-E33B-4C8748C31ADD}"/>
+                <a16:creationId xmlns:a16="http://schemas.microsoft.com/office/drawing/2014/main" id="{FB1FF82C-A065-40EF-D902-24E7C625845B}"/>
               </a:ext>
             </a:extLst>
           </p:cNvPr>
@@ -712,7 +712,7 @@
           <a:bodyPr/>
           <a:lstStyle/>
           <a:p>
-            <a:fld id="{AB1BB65B-7D54-4EFA-8EBC-FA6D813CEE52}" type="slidenum">
+            <a:fld id="{FEEE51DE-CE39-44F6-8F51-05491BA6704D}" type="slidenum">
               <a:rPr lang="zh-CN" altLang="en-US" smtClean="0"/>
               <a:t>‹#›</a:t>
             </a:fld>
@@ -723,7 +723,7 @@
     </p:spTree>
     <p:extLst>
       <p:ext uri="{BB962C8B-B14F-4D97-AF65-F5344CB8AC3E}">
-        <p14:creationId xmlns:p14="http://schemas.microsoft.com/office/powerpoint/2010/main" val="528561920"/>
+        <p14:creationId xmlns:p14="http://schemas.microsoft.com/office/powerpoint/2010/main" val="329316537"/>
       </p:ext>
     </p:extLst>
   </p:cSld>
@@ -755,7 +755,7 @@
           <p:cNvPr id="2" name="标题 1">
             <a:extLst>
               <a:ext uri="{FF2B5EF4-FFF2-40B4-BE49-F238E27FC236}">
-                <a16:creationId xmlns:a16="http://schemas.microsoft.com/office/drawing/2014/main" id="{03D755F3-DE60-FE3E-8DEC-B3736A463926}"/>
+                <a16:creationId xmlns:a16="http://schemas.microsoft.com/office/drawing/2014/main" id="{12E3821E-DC67-C045-BD7F-002BD3A19D1B}"/>
               </a:ext>
             </a:extLst>
           </p:cNvPr>
@@ -783,7 +783,7 @@
           <p:cNvPr id="3" name="内容占位符 2">
             <a:extLst>
               <a:ext uri="{FF2B5EF4-FFF2-40B4-BE49-F238E27FC236}">
-                <a16:creationId xmlns:a16="http://schemas.microsoft.com/office/drawing/2014/main" id="{FE75EB18-4CD1-47E0-4722-4166A4D432A7}"/>
+                <a16:creationId xmlns:a16="http://schemas.microsoft.com/office/drawing/2014/main" id="{DEEB10BC-96A4-7FFC-1CA9-526409A53A85}"/>
               </a:ext>
             </a:extLst>
           </p:cNvPr>
@@ -840,7 +840,7 @@
           <p:cNvPr id="4" name="日期占位符 3">
             <a:extLst>
               <a:ext uri="{FF2B5EF4-FFF2-40B4-BE49-F238E27FC236}">
-                <a16:creationId xmlns:a16="http://schemas.microsoft.com/office/drawing/2014/main" id="{9E32DE99-6435-28AE-7A8A-7F71CF0E8D13}"/>
+                <a16:creationId xmlns:a16="http://schemas.microsoft.com/office/drawing/2014/main" id="{D5B675F2-E6D6-5760-BC2F-F07568CC88AD}"/>
               </a:ext>
             </a:extLst>
           </p:cNvPr>
@@ -856,7 +856,7 @@
           <a:bodyPr/>
           <a:lstStyle/>
           <a:p>
-            <a:fld id="{D84ABBF4-CF0C-4B8F-AA63-1F80B389E3CC}" type="datetimeFigureOut">
+            <a:fld id="{C82C9137-FC62-44C1-B32E-3A637FC89066}" type="datetimeFigureOut">
               <a:rPr lang="zh-CN" altLang="en-US" smtClean="0"/>
               <a:t>2024/3/10</a:t>
             </a:fld>
@@ -869,7 +869,7 @@
           <p:cNvPr id="5" name="页脚占位符 4">
             <a:extLst>
               <a:ext uri="{FF2B5EF4-FFF2-40B4-BE49-F238E27FC236}">
-                <a16:creationId xmlns:a16="http://schemas.microsoft.com/office/drawing/2014/main" id="{B9A7B096-5F9C-F81C-5DAF-CD1129A5EF8F}"/>
+                <a16:creationId xmlns:a16="http://schemas.microsoft.com/office/drawing/2014/main" id="{E63973C9-6D1C-31A3-08AD-A2BC7783B67D}"/>
               </a:ext>
             </a:extLst>
           </p:cNvPr>
@@ -894,7 +894,7 @@
           <p:cNvPr id="6" name="灯片编号占位符 5">
             <a:extLst>
               <a:ext uri="{FF2B5EF4-FFF2-40B4-BE49-F238E27FC236}">
-                <a16:creationId xmlns:a16="http://schemas.microsoft.com/office/drawing/2014/main" id="{297E41BC-4B37-C570-CFBE-51A36EE2622D}"/>
+                <a16:creationId xmlns:a16="http://schemas.microsoft.com/office/drawing/2014/main" id="{8EDC9CBF-D387-ACD3-5FBE-6F3DF76009FC}"/>
               </a:ext>
             </a:extLst>
           </p:cNvPr>
@@ -910,7 +910,7 @@
           <a:bodyPr/>
           <a:lstStyle/>
           <a:p>
-            <a:fld id="{AB1BB65B-7D54-4EFA-8EBC-FA6D813CEE52}" type="slidenum">
+            <a:fld id="{FEEE51DE-CE39-44F6-8F51-05491BA6704D}" type="slidenum">
               <a:rPr lang="zh-CN" altLang="en-US" smtClean="0"/>
               <a:t>‹#›</a:t>
             </a:fld>
@@ -921,7 +921,7 @@
     </p:spTree>
     <p:extLst>
       <p:ext uri="{BB962C8B-B14F-4D97-AF65-F5344CB8AC3E}">
-        <p14:creationId xmlns:p14="http://schemas.microsoft.com/office/powerpoint/2010/main" val="1618464867"/>
+        <p14:creationId xmlns:p14="http://schemas.microsoft.com/office/powerpoint/2010/main" val="659378448"/>
       </p:ext>
     </p:extLst>
   </p:cSld>
@@ -953,7 +953,7 @@
           <p:cNvPr id="2" name="标题 1">
             <a:extLst>
               <a:ext uri="{FF2B5EF4-FFF2-40B4-BE49-F238E27FC236}">
-                <a16:creationId xmlns:a16="http://schemas.microsoft.com/office/drawing/2014/main" id="{3424468E-6808-EE19-3D36-2699E4C9EC86}"/>
+                <a16:creationId xmlns:a16="http://schemas.microsoft.com/office/drawing/2014/main" id="{D3BA499F-C854-F2CA-D77A-8B29DE712F0D}"/>
               </a:ext>
             </a:extLst>
           </p:cNvPr>
@@ -990,7 +990,7 @@
           <p:cNvPr id="3" name="文本占位符 2">
             <a:extLst>
               <a:ext uri="{FF2B5EF4-FFF2-40B4-BE49-F238E27FC236}">
-                <a16:creationId xmlns:a16="http://schemas.microsoft.com/office/drawing/2014/main" id="{6A5BCFEE-C809-1016-8487-4A686D12B0CC}"/>
+                <a16:creationId xmlns:a16="http://schemas.microsoft.com/office/drawing/2014/main" id="{0DEDD0EC-2873-9AE7-6D66-A59C5F198B81}"/>
               </a:ext>
             </a:extLst>
           </p:cNvPr>
@@ -1115,7 +1115,7 @@
           <p:cNvPr id="4" name="日期占位符 3">
             <a:extLst>
               <a:ext uri="{FF2B5EF4-FFF2-40B4-BE49-F238E27FC236}">
-                <a16:creationId xmlns:a16="http://schemas.microsoft.com/office/drawing/2014/main" id="{94E9B077-F2A5-004F-F0A1-D062BAAE55DA}"/>
+                <a16:creationId xmlns:a16="http://schemas.microsoft.com/office/drawing/2014/main" id="{5B782C0A-1669-7A90-24C3-1B1B24C9DE51}"/>
               </a:ext>
             </a:extLst>
           </p:cNvPr>
@@ -1131,7 +1131,7 @@
           <a:bodyPr/>
           <a:lstStyle/>
           <a:p>
-            <a:fld id="{D84ABBF4-CF0C-4B8F-AA63-1F80B389E3CC}" type="datetimeFigureOut">
+            <a:fld id="{C82C9137-FC62-44C1-B32E-3A637FC89066}" type="datetimeFigureOut">
               <a:rPr lang="zh-CN" altLang="en-US" smtClean="0"/>
               <a:t>2024/3/10</a:t>
             </a:fld>
@@ -1144,7 +1144,7 @@
           <p:cNvPr id="5" name="页脚占位符 4">
             <a:extLst>
               <a:ext uri="{FF2B5EF4-FFF2-40B4-BE49-F238E27FC236}">
-                <a16:creationId xmlns:a16="http://schemas.microsoft.com/office/drawing/2014/main" id="{BC61FAF5-AD93-0D7C-1D6D-13D2D6219A08}"/>
+                <a16:creationId xmlns:a16="http://schemas.microsoft.com/office/drawing/2014/main" id="{127C10FE-95B3-E69A-710A-B9BAF5C60B37}"/>
               </a:ext>
             </a:extLst>
           </p:cNvPr>
@@ -1169,7 +1169,7 @@
           <p:cNvPr id="6" name="灯片编号占位符 5">
             <a:extLst>
               <a:ext uri="{FF2B5EF4-FFF2-40B4-BE49-F238E27FC236}">
-                <a16:creationId xmlns:a16="http://schemas.microsoft.com/office/drawing/2014/main" id="{F3E71B56-E00A-49E5-FC75-E7E764D8E214}"/>
+                <a16:creationId xmlns:a16="http://schemas.microsoft.com/office/drawing/2014/main" id="{0E896CD2-02A1-DAC6-1526-C64010C2D414}"/>
               </a:ext>
             </a:extLst>
           </p:cNvPr>
@@ -1185,7 +1185,7 @@
           <a:bodyPr/>
           <a:lstStyle/>
           <a:p>
-            <a:fld id="{AB1BB65B-7D54-4EFA-8EBC-FA6D813CEE52}" type="slidenum">
+            <a:fld id="{FEEE51DE-CE39-44F6-8F51-05491BA6704D}" type="slidenum">
               <a:rPr lang="zh-CN" altLang="en-US" smtClean="0"/>
               <a:t>‹#›</a:t>
             </a:fld>
@@ -1196,7 +1196,7 @@
     </p:spTree>
     <p:extLst>
       <p:ext uri="{BB962C8B-B14F-4D97-AF65-F5344CB8AC3E}">
-        <p14:creationId xmlns:p14="http://schemas.microsoft.com/office/powerpoint/2010/main" val="1297609270"/>
+        <p14:creationId xmlns:p14="http://schemas.microsoft.com/office/powerpoint/2010/main" val="3884072878"/>
       </p:ext>
     </p:extLst>
   </p:cSld>
@@ -1228,7 +1228,7 @@
           <p:cNvPr id="2" name="标题 1">
             <a:extLst>
               <a:ext uri="{FF2B5EF4-FFF2-40B4-BE49-F238E27FC236}">
-                <a16:creationId xmlns:a16="http://schemas.microsoft.com/office/drawing/2014/main" id="{B38783C4-B800-8334-26F0-E78FC0D92EBF}"/>
+                <a16:creationId xmlns:a16="http://schemas.microsoft.com/office/drawing/2014/main" id="{999A52B7-E5ED-03F6-65B0-A28A76BF9211}"/>
               </a:ext>
             </a:extLst>
           </p:cNvPr>
@@ -1256,7 +1256,7 @@
           <p:cNvPr id="3" name="内容占位符 2">
             <a:extLst>
               <a:ext uri="{FF2B5EF4-FFF2-40B4-BE49-F238E27FC236}">
-                <a16:creationId xmlns:a16="http://schemas.microsoft.com/office/drawing/2014/main" id="{DD2A763A-99A5-8096-B4CD-ED6AED6B5E3C}"/>
+                <a16:creationId xmlns:a16="http://schemas.microsoft.com/office/drawing/2014/main" id="{2383F26D-276D-AB40-0E15-4E6224A3867A}"/>
               </a:ext>
             </a:extLst>
           </p:cNvPr>
@@ -1318,7 +1318,7 @@
           <p:cNvPr id="4" name="内容占位符 3">
             <a:extLst>
               <a:ext uri="{FF2B5EF4-FFF2-40B4-BE49-F238E27FC236}">
-                <a16:creationId xmlns:a16="http://schemas.microsoft.com/office/drawing/2014/main" id="{3E18A5B8-D130-36E6-66D3-5F3097AA3BAC}"/>
+                <a16:creationId xmlns:a16="http://schemas.microsoft.com/office/drawing/2014/main" id="{A17056CE-BFB7-8B1B-3025-0D7B6F60EC94}"/>
               </a:ext>
             </a:extLst>
           </p:cNvPr>
@@ -1380,7 +1380,7 @@
           <p:cNvPr id="5" name="日期占位符 4">
             <a:extLst>
               <a:ext uri="{FF2B5EF4-FFF2-40B4-BE49-F238E27FC236}">
-                <a16:creationId xmlns:a16="http://schemas.microsoft.com/office/drawing/2014/main" id="{000EA51D-FE13-00DC-AA4C-DB953A3695FD}"/>
+                <a16:creationId xmlns:a16="http://schemas.microsoft.com/office/drawing/2014/main" id="{5536FF67-1C5B-8780-D24F-DE9C599967A2}"/>
               </a:ext>
             </a:extLst>
           </p:cNvPr>
@@ -1396,7 +1396,7 @@
           <a:bodyPr/>
           <a:lstStyle/>
           <a:p>
-            <a:fld id="{D84ABBF4-CF0C-4B8F-AA63-1F80B389E3CC}" type="datetimeFigureOut">
+            <a:fld id="{C82C9137-FC62-44C1-B32E-3A637FC89066}" type="datetimeFigureOut">
               <a:rPr lang="zh-CN" altLang="en-US" smtClean="0"/>
               <a:t>2024/3/10</a:t>
             </a:fld>
@@ -1409,7 +1409,7 @@
           <p:cNvPr id="6" name="页脚占位符 5">
             <a:extLst>
               <a:ext uri="{FF2B5EF4-FFF2-40B4-BE49-F238E27FC236}">
-                <a16:creationId xmlns:a16="http://schemas.microsoft.com/office/drawing/2014/main" id="{9007C0FC-A0B7-D573-ED0F-FCCC6B98DA7C}"/>
+                <a16:creationId xmlns:a16="http://schemas.microsoft.com/office/drawing/2014/main" id="{3B094670-E255-469F-4D75-78034E68D54B}"/>
               </a:ext>
             </a:extLst>
           </p:cNvPr>
@@ -1434,7 +1434,7 @@
           <p:cNvPr id="7" name="灯片编号占位符 6">
             <a:extLst>
               <a:ext uri="{FF2B5EF4-FFF2-40B4-BE49-F238E27FC236}">
-                <a16:creationId xmlns:a16="http://schemas.microsoft.com/office/drawing/2014/main" id="{9512CD87-B43D-AD07-5325-87786B35B0DF}"/>
+                <a16:creationId xmlns:a16="http://schemas.microsoft.com/office/drawing/2014/main" id="{71346FC4-BFCD-2C33-4071-86BC6A87CBDC}"/>
               </a:ext>
             </a:extLst>
           </p:cNvPr>
@@ -1450,7 +1450,7 @@
           <a:bodyPr/>
           <a:lstStyle/>
           <a:p>
-            <a:fld id="{AB1BB65B-7D54-4EFA-8EBC-FA6D813CEE52}" type="slidenum">
+            <a:fld id="{FEEE51DE-CE39-44F6-8F51-05491BA6704D}" type="slidenum">
               <a:rPr lang="zh-CN" altLang="en-US" smtClean="0"/>
               <a:t>‹#›</a:t>
             </a:fld>
@@ -1461,7 +1461,7 @@
     </p:spTree>
     <p:extLst>
       <p:ext uri="{BB962C8B-B14F-4D97-AF65-F5344CB8AC3E}">
-        <p14:creationId xmlns:p14="http://schemas.microsoft.com/office/powerpoint/2010/main" val="1545292899"/>
+        <p14:creationId xmlns:p14="http://schemas.microsoft.com/office/powerpoint/2010/main" val="1448221823"/>
       </p:ext>
     </p:extLst>
   </p:cSld>
@@ -1493,7 +1493,7 @@
           <p:cNvPr id="2" name="标题 1">
             <a:extLst>
               <a:ext uri="{FF2B5EF4-FFF2-40B4-BE49-F238E27FC236}">
-                <a16:creationId xmlns:a16="http://schemas.microsoft.com/office/drawing/2014/main" id="{9DE82025-AE5B-3E84-9766-7F39A023884C}"/>
+                <a16:creationId xmlns:a16="http://schemas.microsoft.com/office/drawing/2014/main" id="{6AAA3259-B967-0A03-4538-979AEA72C79F}"/>
               </a:ext>
             </a:extLst>
           </p:cNvPr>
@@ -1526,7 +1526,7 @@
           <p:cNvPr id="3" name="文本占位符 2">
             <a:extLst>
               <a:ext uri="{FF2B5EF4-FFF2-40B4-BE49-F238E27FC236}">
-                <a16:creationId xmlns:a16="http://schemas.microsoft.com/office/drawing/2014/main" id="{08F15587-28F1-19B8-F1AC-E2ACA903FB3B}"/>
+                <a16:creationId xmlns:a16="http://schemas.microsoft.com/office/drawing/2014/main" id="{4CA3C43E-A38B-6819-C256-F0D7DEB9E926}"/>
               </a:ext>
             </a:extLst>
           </p:cNvPr>
@@ -1597,7 +1597,7 @@
           <p:cNvPr id="4" name="内容占位符 3">
             <a:extLst>
               <a:ext uri="{FF2B5EF4-FFF2-40B4-BE49-F238E27FC236}">
-                <a16:creationId xmlns:a16="http://schemas.microsoft.com/office/drawing/2014/main" id="{4A3DABAF-4559-36AE-2679-DE161F875E84}"/>
+                <a16:creationId xmlns:a16="http://schemas.microsoft.com/office/drawing/2014/main" id="{F4A53ADF-4728-F46E-2A63-4848DB2092BA}"/>
               </a:ext>
             </a:extLst>
           </p:cNvPr>
@@ -1659,7 +1659,7 @@
           <p:cNvPr id="5" name="文本占位符 4">
             <a:extLst>
               <a:ext uri="{FF2B5EF4-FFF2-40B4-BE49-F238E27FC236}">
-                <a16:creationId xmlns:a16="http://schemas.microsoft.com/office/drawing/2014/main" id="{29191676-AB7A-40D6-F7E3-93FC92EA7664}"/>
+                <a16:creationId xmlns:a16="http://schemas.microsoft.com/office/drawing/2014/main" id="{04589273-04DB-38B5-639F-B7877A153E1A}"/>
               </a:ext>
             </a:extLst>
           </p:cNvPr>
@@ -1730,7 +1730,7 @@
           <p:cNvPr id="6" name="内容占位符 5">
             <a:extLst>
               <a:ext uri="{FF2B5EF4-FFF2-40B4-BE49-F238E27FC236}">
-                <a16:creationId xmlns:a16="http://schemas.microsoft.com/office/drawing/2014/main" id="{6317F581-3B29-8235-87FD-167DBA6F45FD}"/>
+                <a16:creationId xmlns:a16="http://schemas.microsoft.com/office/drawing/2014/main" id="{CD9BB674-62C4-9F9B-4063-4BDD5BB9D6D2}"/>
               </a:ext>
             </a:extLst>
           </p:cNvPr>
@@ -1792,7 +1792,7 @@
           <p:cNvPr id="7" name="日期占位符 6">
             <a:extLst>
               <a:ext uri="{FF2B5EF4-FFF2-40B4-BE49-F238E27FC236}">
-                <a16:creationId xmlns:a16="http://schemas.microsoft.com/office/drawing/2014/main" id="{1F2195F4-D352-C10C-8EAF-AE6881B22139}"/>
+                <a16:creationId xmlns:a16="http://schemas.microsoft.com/office/drawing/2014/main" id="{84E73F51-4CC4-6AA3-5D0B-660D03882E2E}"/>
               </a:ext>
             </a:extLst>
           </p:cNvPr>
@@ -1808,7 +1808,7 @@
           <a:bodyPr/>
           <a:lstStyle/>
           <a:p>
-            <a:fld id="{D84ABBF4-CF0C-4B8F-AA63-1F80B389E3CC}" type="datetimeFigureOut">
+            <a:fld id="{C82C9137-FC62-44C1-B32E-3A637FC89066}" type="datetimeFigureOut">
               <a:rPr lang="zh-CN" altLang="en-US" smtClean="0"/>
               <a:t>2024/3/10</a:t>
             </a:fld>
@@ -1821,7 +1821,7 @@
           <p:cNvPr id="8" name="页脚占位符 7">
             <a:extLst>
               <a:ext uri="{FF2B5EF4-FFF2-40B4-BE49-F238E27FC236}">
-                <a16:creationId xmlns:a16="http://schemas.microsoft.com/office/drawing/2014/main" id="{86F8C29E-DA2D-464F-0FE5-F6D5C8FEEE82}"/>
+                <a16:creationId xmlns:a16="http://schemas.microsoft.com/office/drawing/2014/main" id="{71FC3619-D9C2-432C-898B-3CAD9A76CF19}"/>
               </a:ext>
             </a:extLst>
           </p:cNvPr>
@@ -1846,7 +1846,7 @@
           <p:cNvPr id="9" name="灯片编号占位符 8">
             <a:extLst>
               <a:ext uri="{FF2B5EF4-FFF2-40B4-BE49-F238E27FC236}">
-                <a16:creationId xmlns:a16="http://schemas.microsoft.com/office/drawing/2014/main" id="{8E9D0BE9-9CD1-6924-F1D8-3249C7403CD0}"/>
+                <a16:creationId xmlns:a16="http://schemas.microsoft.com/office/drawing/2014/main" id="{E74B2209-AFF9-9109-F99B-209745A107D8}"/>
               </a:ext>
             </a:extLst>
           </p:cNvPr>
@@ -1862,7 +1862,7 @@
           <a:bodyPr/>
           <a:lstStyle/>
           <a:p>
-            <a:fld id="{AB1BB65B-7D54-4EFA-8EBC-FA6D813CEE52}" type="slidenum">
+            <a:fld id="{FEEE51DE-CE39-44F6-8F51-05491BA6704D}" type="slidenum">
               <a:rPr lang="zh-CN" altLang="en-US" smtClean="0"/>
               <a:t>‹#›</a:t>
             </a:fld>
@@ -1873,7 +1873,7 @@
     </p:spTree>
     <p:extLst>
       <p:ext uri="{BB962C8B-B14F-4D97-AF65-F5344CB8AC3E}">
-        <p14:creationId xmlns:p14="http://schemas.microsoft.com/office/powerpoint/2010/main" val="3065119373"/>
+        <p14:creationId xmlns:p14="http://schemas.microsoft.com/office/powerpoint/2010/main" val="3528425447"/>
       </p:ext>
     </p:extLst>
   </p:cSld>
@@ -1905,7 +1905,7 @@
           <p:cNvPr id="2" name="标题 1">
             <a:extLst>
               <a:ext uri="{FF2B5EF4-FFF2-40B4-BE49-F238E27FC236}">
-                <a16:creationId xmlns:a16="http://schemas.microsoft.com/office/drawing/2014/main" id="{E3A1368F-0A9E-DA6E-6A16-F866E06B152E}"/>
+                <a16:creationId xmlns:a16="http://schemas.microsoft.com/office/drawing/2014/main" id="{7AD9A2B9-D14A-715E-7A93-A00153C9FB37}"/>
               </a:ext>
             </a:extLst>
           </p:cNvPr>
@@ -1933,7 +1933,7 @@
           <p:cNvPr id="3" name="日期占位符 2">
             <a:extLst>
               <a:ext uri="{FF2B5EF4-FFF2-40B4-BE49-F238E27FC236}">
-                <a16:creationId xmlns:a16="http://schemas.microsoft.com/office/drawing/2014/main" id="{BFC65BFE-D962-EA1A-4440-5939DAA32A6F}"/>
+                <a16:creationId xmlns:a16="http://schemas.microsoft.com/office/drawing/2014/main" id="{24ED7268-6157-3369-9EE3-BF0BD1E4A62A}"/>
               </a:ext>
             </a:extLst>
           </p:cNvPr>
@@ -1949,7 +1949,7 @@
           <a:bodyPr/>
           <a:lstStyle/>
           <a:p>
-            <a:fld id="{D84ABBF4-CF0C-4B8F-AA63-1F80B389E3CC}" type="datetimeFigureOut">
+            <a:fld id="{C82C9137-FC62-44C1-B32E-3A637FC89066}" type="datetimeFigureOut">
               <a:rPr lang="zh-CN" altLang="en-US" smtClean="0"/>
               <a:t>2024/3/10</a:t>
             </a:fld>
@@ -1962,7 +1962,7 @@
           <p:cNvPr id="4" name="页脚占位符 3">
             <a:extLst>
               <a:ext uri="{FF2B5EF4-FFF2-40B4-BE49-F238E27FC236}">
-                <a16:creationId xmlns:a16="http://schemas.microsoft.com/office/drawing/2014/main" id="{1937B5FE-E465-7B96-3651-091A7A0E1974}"/>
+                <a16:creationId xmlns:a16="http://schemas.microsoft.com/office/drawing/2014/main" id="{975257A7-0ABF-AF36-19DB-C27449CE5F99}"/>
               </a:ext>
             </a:extLst>
           </p:cNvPr>
@@ -1987,7 +1987,7 @@
           <p:cNvPr id="5" name="灯片编号占位符 4">
             <a:extLst>
               <a:ext uri="{FF2B5EF4-FFF2-40B4-BE49-F238E27FC236}">
-                <a16:creationId xmlns:a16="http://schemas.microsoft.com/office/drawing/2014/main" id="{2932A098-D0F4-194F-D624-B2A1D7D97D3A}"/>
+                <a16:creationId xmlns:a16="http://schemas.microsoft.com/office/drawing/2014/main" id="{89E4B03C-A401-76AB-E52E-66D4461D37F7}"/>
               </a:ext>
             </a:extLst>
           </p:cNvPr>
@@ -2003,7 +2003,7 @@
           <a:bodyPr/>
           <a:lstStyle/>
           <a:p>
-            <a:fld id="{AB1BB65B-7D54-4EFA-8EBC-FA6D813CEE52}" type="slidenum">
+            <a:fld id="{FEEE51DE-CE39-44F6-8F51-05491BA6704D}" type="slidenum">
               <a:rPr lang="zh-CN" altLang="en-US" smtClean="0"/>
               <a:t>‹#›</a:t>
             </a:fld>
@@ -2014,7 +2014,7 @@
     </p:spTree>
     <p:extLst>
       <p:ext uri="{BB962C8B-B14F-4D97-AF65-F5344CB8AC3E}">
-        <p14:creationId xmlns:p14="http://schemas.microsoft.com/office/powerpoint/2010/main" val="517677117"/>
+        <p14:creationId xmlns:p14="http://schemas.microsoft.com/office/powerpoint/2010/main" val="1072882195"/>
       </p:ext>
     </p:extLst>
   </p:cSld>
@@ -2046,7 +2046,7 @@
           <p:cNvPr id="2" name="日期占位符 1">
             <a:extLst>
               <a:ext uri="{FF2B5EF4-FFF2-40B4-BE49-F238E27FC236}">
-                <a16:creationId xmlns:a16="http://schemas.microsoft.com/office/drawing/2014/main" id="{58CE3A96-96BC-19A0-0607-40E377CAEA06}"/>
+                <a16:creationId xmlns:a16="http://schemas.microsoft.com/office/drawing/2014/main" id="{7CE066E3-6573-2538-733A-55DC7B4E67ED}"/>
               </a:ext>
             </a:extLst>
           </p:cNvPr>
@@ -2062,7 +2062,7 @@
           <a:bodyPr/>
           <a:lstStyle/>
           <a:p>
-            <a:fld id="{D84ABBF4-CF0C-4B8F-AA63-1F80B389E3CC}" type="datetimeFigureOut">
+            <a:fld id="{C82C9137-FC62-44C1-B32E-3A637FC89066}" type="datetimeFigureOut">
               <a:rPr lang="zh-CN" altLang="en-US" smtClean="0"/>
               <a:t>2024/3/10</a:t>
             </a:fld>
@@ -2075,7 +2075,7 @@
           <p:cNvPr id="3" name="页脚占位符 2">
             <a:extLst>
               <a:ext uri="{FF2B5EF4-FFF2-40B4-BE49-F238E27FC236}">
-                <a16:creationId xmlns:a16="http://schemas.microsoft.com/office/drawing/2014/main" id="{6F1CB244-F4BC-5A8C-2D39-9467908A47DD}"/>
+                <a16:creationId xmlns:a16="http://schemas.microsoft.com/office/drawing/2014/main" id="{5FB89CCF-359D-4D14-B4B4-C367016E2696}"/>
               </a:ext>
             </a:extLst>
           </p:cNvPr>
@@ -2100,7 +2100,7 @@
           <p:cNvPr id="4" name="灯片编号占位符 3">
             <a:extLst>
               <a:ext uri="{FF2B5EF4-FFF2-40B4-BE49-F238E27FC236}">
-                <a16:creationId xmlns:a16="http://schemas.microsoft.com/office/drawing/2014/main" id="{3B9A39F7-E04D-C338-15BB-FED9C1A0A1A5}"/>
+                <a16:creationId xmlns:a16="http://schemas.microsoft.com/office/drawing/2014/main" id="{3E3F95AD-E86D-5A1E-1828-A6F3F42626C3}"/>
               </a:ext>
             </a:extLst>
           </p:cNvPr>
@@ -2116,7 +2116,7 @@
           <a:bodyPr/>
           <a:lstStyle/>
           <a:p>
-            <a:fld id="{AB1BB65B-7D54-4EFA-8EBC-FA6D813CEE52}" type="slidenum">
+            <a:fld id="{FEEE51DE-CE39-44F6-8F51-05491BA6704D}" type="slidenum">
               <a:rPr lang="zh-CN" altLang="en-US" smtClean="0"/>
               <a:t>‹#›</a:t>
             </a:fld>
@@ -2127,7 +2127,7 @@
     </p:spTree>
     <p:extLst>
       <p:ext uri="{BB962C8B-B14F-4D97-AF65-F5344CB8AC3E}">
-        <p14:creationId xmlns:p14="http://schemas.microsoft.com/office/powerpoint/2010/main" val="4021689677"/>
+        <p14:creationId xmlns:p14="http://schemas.microsoft.com/office/powerpoint/2010/main" val="3139573490"/>
       </p:ext>
     </p:extLst>
   </p:cSld>
@@ -2159,7 +2159,7 @@
           <p:cNvPr id="2" name="标题 1">
             <a:extLst>
               <a:ext uri="{FF2B5EF4-FFF2-40B4-BE49-F238E27FC236}">
-                <a16:creationId xmlns:a16="http://schemas.microsoft.com/office/drawing/2014/main" id="{F4E53DC4-E63B-1D28-4F08-19D5D262A791}"/>
+                <a16:creationId xmlns:a16="http://schemas.microsoft.com/office/drawing/2014/main" id="{60630519-9DAC-A132-9C8B-FA5D9AD3BD60}"/>
               </a:ext>
             </a:extLst>
           </p:cNvPr>
@@ -2196,7 +2196,7 @@
           <p:cNvPr id="3" name="内容占位符 2">
             <a:extLst>
               <a:ext uri="{FF2B5EF4-FFF2-40B4-BE49-F238E27FC236}">
-                <a16:creationId xmlns:a16="http://schemas.microsoft.com/office/drawing/2014/main" id="{867115A4-24FE-FDC6-0232-188D5D1AE1AD}"/>
+                <a16:creationId xmlns:a16="http://schemas.microsoft.com/office/drawing/2014/main" id="{C01282DF-2AD2-9F65-7617-2BEC44B7CD06}"/>
               </a:ext>
             </a:extLst>
           </p:cNvPr>
@@ -2286,7 +2286,7 @@
           <p:cNvPr id="4" name="文本占位符 3">
             <a:extLst>
               <a:ext uri="{FF2B5EF4-FFF2-40B4-BE49-F238E27FC236}">
-                <a16:creationId xmlns:a16="http://schemas.microsoft.com/office/drawing/2014/main" id="{7963C7B8-1BE7-C03A-98E2-37C3F7AB0A7C}"/>
+                <a16:creationId xmlns:a16="http://schemas.microsoft.com/office/drawing/2014/main" id="{F98BC3B3-0266-1F09-C194-618A69DDF06A}"/>
               </a:ext>
             </a:extLst>
           </p:cNvPr>
@@ -2357,7 +2357,7 @@
           <p:cNvPr id="5" name="日期占位符 4">
             <a:extLst>
               <a:ext uri="{FF2B5EF4-FFF2-40B4-BE49-F238E27FC236}">
-                <a16:creationId xmlns:a16="http://schemas.microsoft.com/office/drawing/2014/main" id="{112D254A-989C-2BE6-3B49-0E8D801750A8}"/>
+                <a16:creationId xmlns:a16="http://schemas.microsoft.com/office/drawing/2014/main" id="{68E4B2C2-5BD2-8EDE-02AB-747EAAF695BC}"/>
               </a:ext>
             </a:extLst>
           </p:cNvPr>
@@ -2373,7 +2373,7 @@
           <a:bodyPr/>
           <a:lstStyle/>
           <a:p>
-            <a:fld id="{D84ABBF4-CF0C-4B8F-AA63-1F80B389E3CC}" type="datetimeFigureOut">
+            <a:fld id="{C82C9137-FC62-44C1-B32E-3A637FC89066}" type="datetimeFigureOut">
               <a:rPr lang="zh-CN" altLang="en-US" smtClean="0"/>
               <a:t>2024/3/10</a:t>
             </a:fld>
@@ -2386,7 +2386,7 @@
           <p:cNvPr id="6" name="页脚占位符 5">
             <a:extLst>
               <a:ext uri="{FF2B5EF4-FFF2-40B4-BE49-F238E27FC236}">
-                <a16:creationId xmlns:a16="http://schemas.microsoft.com/office/drawing/2014/main" id="{25C52BDD-5698-09D4-C970-55FDE97720BB}"/>
+                <a16:creationId xmlns:a16="http://schemas.microsoft.com/office/drawing/2014/main" id="{A27A4DE7-59DB-808C-87B4-A2C2D3DE87D5}"/>
               </a:ext>
             </a:extLst>
           </p:cNvPr>
@@ -2411,7 +2411,7 @@
           <p:cNvPr id="7" name="灯片编号占位符 6">
             <a:extLst>
               <a:ext uri="{FF2B5EF4-FFF2-40B4-BE49-F238E27FC236}">
-                <a16:creationId xmlns:a16="http://schemas.microsoft.com/office/drawing/2014/main" id="{75F7ABDA-B3E0-55C0-B67A-CB35E176928C}"/>
+                <a16:creationId xmlns:a16="http://schemas.microsoft.com/office/drawing/2014/main" id="{E52AE2C6-E723-1BD5-0C76-28D0B5F13D9A}"/>
               </a:ext>
             </a:extLst>
           </p:cNvPr>
@@ -2427,7 +2427,7 @@
           <a:bodyPr/>
           <a:lstStyle/>
           <a:p>
-            <a:fld id="{AB1BB65B-7D54-4EFA-8EBC-FA6D813CEE52}" type="slidenum">
+            <a:fld id="{FEEE51DE-CE39-44F6-8F51-05491BA6704D}" type="slidenum">
               <a:rPr lang="zh-CN" altLang="en-US" smtClean="0"/>
               <a:t>‹#›</a:t>
             </a:fld>
@@ -2438,7 +2438,7 @@
     </p:spTree>
     <p:extLst>
       <p:ext uri="{BB962C8B-B14F-4D97-AF65-F5344CB8AC3E}">
-        <p14:creationId xmlns:p14="http://schemas.microsoft.com/office/powerpoint/2010/main" val="1587887623"/>
+        <p14:creationId xmlns:p14="http://schemas.microsoft.com/office/powerpoint/2010/main" val="3632970927"/>
       </p:ext>
     </p:extLst>
   </p:cSld>
@@ -2470,7 +2470,7 @@
           <p:cNvPr id="2" name="标题 1">
             <a:extLst>
               <a:ext uri="{FF2B5EF4-FFF2-40B4-BE49-F238E27FC236}">
-                <a16:creationId xmlns:a16="http://schemas.microsoft.com/office/drawing/2014/main" id="{94444467-AC50-2987-8D08-AA9212572C67}"/>
+                <a16:creationId xmlns:a16="http://schemas.microsoft.com/office/drawing/2014/main" id="{ADB5FF58-92E4-F26A-7745-A118BA1499E9}"/>
               </a:ext>
             </a:extLst>
           </p:cNvPr>
@@ -2507,7 +2507,7 @@
           <p:cNvPr id="3" name="图片占位符 2">
             <a:extLst>
               <a:ext uri="{FF2B5EF4-FFF2-40B4-BE49-F238E27FC236}">
-                <a16:creationId xmlns:a16="http://schemas.microsoft.com/office/drawing/2014/main" id="{921CF658-953B-B1C7-E221-F5D9C18C8C4C}"/>
+                <a16:creationId xmlns:a16="http://schemas.microsoft.com/office/drawing/2014/main" id="{D5D265EF-B8EE-6C42-E9A5-B2659F80EBBE}"/>
               </a:ext>
             </a:extLst>
           </p:cNvPr>
@@ -2574,7 +2574,7 @@
           <p:cNvPr id="4" name="文本占位符 3">
             <a:extLst>
               <a:ext uri="{FF2B5EF4-FFF2-40B4-BE49-F238E27FC236}">
-                <a16:creationId xmlns:a16="http://schemas.microsoft.com/office/drawing/2014/main" id="{482006D3-F7DB-A08A-15CD-BAF4EF988B26}"/>
+                <a16:creationId xmlns:a16="http://schemas.microsoft.com/office/drawing/2014/main" id="{729F793F-333F-96DB-0A29-4E5770C8B1D7}"/>
               </a:ext>
             </a:extLst>
           </p:cNvPr>
@@ -2645,7 +2645,7 @@
           <p:cNvPr id="5" name="日期占位符 4">
             <a:extLst>
               <a:ext uri="{FF2B5EF4-FFF2-40B4-BE49-F238E27FC236}">
-                <a16:creationId xmlns:a16="http://schemas.microsoft.com/office/drawing/2014/main" id="{DBE58904-D402-129D-5BF2-C0D9EE9F2E4B}"/>
+                <a16:creationId xmlns:a16="http://schemas.microsoft.com/office/drawing/2014/main" id="{AF82B61D-4D66-F1BE-05D6-2BFFB14FB1BF}"/>
               </a:ext>
             </a:extLst>
           </p:cNvPr>
@@ -2661,7 +2661,7 @@
           <a:bodyPr/>
           <a:lstStyle/>
           <a:p>
-            <a:fld id="{D84ABBF4-CF0C-4B8F-AA63-1F80B389E3CC}" type="datetimeFigureOut">
+            <a:fld id="{C82C9137-FC62-44C1-B32E-3A637FC89066}" type="datetimeFigureOut">
               <a:rPr lang="zh-CN" altLang="en-US" smtClean="0"/>
               <a:t>2024/3/10</a:t>
             </a:fld>
@@ -2674,7 +2674,7 @@
           <p:cNvPr id="6" name="页脚占位符 5">
             <a:extLst>
               <a:ext uri="{FF2B5EF4-FFF2-40B4-BE49-F238E27FC236}">
-                <a16:creationId xmlns:a16="http://schemas.microsoft.com/office/drawing/2014/main" id="{16EEF891-2E77-D8F3-CCEE-1FA313CE47A6}"/>
+                <a16:creationId xmlns:a16="http://schemas.microsoft.com/office/drawing/2014/main" id="{AF37DB0F-82A4-0DD4-396A-1BF960897FDC}"/>
               </a:ext>
             </a:extLst>
           </p:cNvPr>
@@ -2699,7 +2699,7 @@
           <p:cNvPr id="7" name="灯片编号占位符 6">
             <a:extLst>
               <a:ext uri="{FF2B5EF4-FFF2-40B4-BE49-F238E27FC236}">
-                <a16:creationId xmlns:a16="http://schemas.microsoft.com/office/drawing/2014/main" id="{9785D430-DB29-9170-1988-0F190C1B1D65}"/>
+                <a16:creationId xmlns:a16="http://schemas.microsoft.com/office/drawing/2014/main" id="{10BA29A1-6A75-FDA3-6A30-24F2F8D23938}"/>
               </a:ext>
             </a:extLst>
           </p:cNvPr>
@@ -2715,7 +2715,7 @@
           <a:bodyPr/>
           <a:lstStyle/>
           <a:p>
-            <a:fld id="{AB1BB65B-7D54-4EFA-8EBC-FA6D813CEE52}" type="slidenum">
+            <a:fld id="{FEEE51DE-CE39-44F6-8F51-05491BA6704D}" type="slidenum">
               <a:rPr lang="zh-CN" altLang="en-US" smtClean="0"/>
               <a:t>‹#›</a:t>
             </a:fld>
@@ -2726,7 +2726,7 @@
     </p:spTree>
     <p:extLst>
       <p:ext uri="{BB962C8B-B14F-4D97-AF65-F5344CB8AC3E}">
-        <p14:creationId xmlns:p14="http://schemas.microsoft.com/office/powerpoint/2010/main" val="3209445760"/>
+        <p14:creationId xmlns:p14="http://schemas.microsoft.com/office/powerpoint/2010/main" val="2560212136"/>
       </p:ext>
     </p:extLst>
   </p:cSld>
@@ -2763,7 +2763,7 @@
           <p:cNvPr id="2" name="标题占位符 1">
             <a:extLst>
               <a:ext uri="{FF2B5EF4-FFF2-40B4-BE49-F238E27FC236}">
-                <a16:creationId xmlns:a16="http://schemas.microsoft.com/office/drawing/2014/main" id="{82C0797C-3704-9A1D-3498-A98D5B3B9652}"/>
+                <a16:creationId xmlns:a16="http://schemas.microsoft.com/office/drawing/2014/main" id="{7AB7CA24-24AE-EBBA-7124-CE835C4BD72E}"/>
               </a:ext>
             </a:extLst>
           </p:cNvPr>
@@ -2801,7 +2801,7 @@
           <p:cNvPr id="3" name="文本占位符 2">
             <a:extLst>
               <a:ext uri="{FF2B5EF4-FFF2-40B4-BE49-F238E27FC236}">
-                <a16:creationId xmlns:a16="http://schemas.microsoft.com/office/drawing/2014/main" id="{DE4A0A96-73F1-10E7-9308-055A48606E5C}"/>
+                <a16:creationId xmlns:a16="http://schemas.microsoft.com/office/drawing/2014/main" id="{F335018E-6142-8D3B-E029-0BF058AE9187}"/>
               </a:ext>
             </a:extLst>
           </p:cNvPr>
@@ -2868,7 +2868,7 @@
           <p:cNvPr id="4" name="日期占位符 3">
             <a:extLst>
               <a:ext uri="{FF2B5EF4-FFF2-40B4-BE49-F238E27FC236}">
-                <a16:creationId xmlns:a16="http://schemas.microsoft.com/office/drawing/2014/main" id="{D2A93FB1-8B6A-4A4A-68C5-3764FE9DA8D3}"/>
+                <a16:creationId xmlns:a16="http://schemas.microsoft.com/office/drawing/2014/main" id="{8D90A7F3-28CE-5265-3DB2-F3D4B4357556}"/>
               </a:ext>
             </a:extLst>
           </p:cNvPr>
@@ -2902,7 +2902,7 @@
             </a:lvl1pPr>
           </a:lstStyle>
           <a:p>
-            <a:fld id="{D84ABBF4-CF0C-4B8F-AA63-1F80B389E3CC}" type="datetimeFigureOut">
+            <a:fld id="{C82C9137-FC62-44C1-B32E-3A637FC89066}" type="datetimeFigureOut">
               <a:rPr lang="zh-CN" altLang="en-US" smtClean="0"/>
               <a:t>2024/3/10</a:t>
             </a:fld>
@@ -2915,7 +2915,7 @@
           <p:cNvPr id="5" name="页脚占位符 4">
             <a:extLst>
               <a:ext uri="{FF2B5EF4-FFF2-40B4-BE49-F238E27FC236}">
-                <a16:creationId xmlns:a16="http://schemas.microsoft.com/office/drawing/2014/main" id="{91E3E180-72A6-8D57-5926-67E27F099058}"/>
+                <a16:creationId xmlns:a16="http://schemas.microsoft.com/office/drawing/2014/main" id="{5333075C-66BD-529A-1C11-E298E4B19736}"/>
               </a:ext>
             </a:extLst>
           </p:cNvPr>
@@ -2958,7 +2958,7 @@
           <p:cNvPr id="6" name="灯片编号占位符 5">
             <a:extLst>
               <a:ext uri="{FF2B5EF4-FFF2-40B4-BE49-F238E27FC236}">
-                <a16:creationId xmlns:a16="http://schemas.microsoft.com/office/drawing/2014/main" id="{E7163629-8309-A507-CA97-4CB8A93041E9}"/>
+                <a16:creationId xmlns:a16="http://schemas.microsoft.com/office/drawing/2014/main" id="{89324A3B-AFAD-8E28-4307-786AA6977DE6}"/>
               </a:ext>
             </a:extLst>
           </p:cNvPr>
@@ -2992,7 +2992,7 @@
             </a:lvl1pPr>
           </a:lstStyle>
           <a:p>
-            <a:fld id="{AB1BB65B-7D54-4EFA-8EBC-FA6D813CEE52}" type="slidenum">
+            <a:fld id="{FEEE51DE-CE39-44F6-8F51-05491BA6704D}" type="slidenum">
               <a:rPr lang="zh-CN" altLang="en-US" smtClean="0"/>
               <a:t>‹#›</a:t>
             </a:fld>
@@ -3003,7 +3003,7 @@
     </p:spTree>
     <p:extLst>
       <p:ext uri="{BB962C8B-B14F-4D97-AF65-F5344CB8AC3E}">
-        <p14:creationId xmlns:p14="http://schemas.microsoft.com/office/powerpoint/2010/main" val="1526408569"/>
+        <p14:creationId xmlns:p14="http://schemas.microsoft.com/office/powerpoint/2010/main" val="710291229"/>
       </p:ext>
     </p:extLst>
   </p:cSld>
